--- a/lectures/CC-01-History.pptx
+++ b/lectures/CC-01-History.pptx
@@ -9,8 +9,12 @@
     <p:sldId id="258" r:id="rId3"/>
     <p:sldId id="260" r:id="rId4"/>
     <p:sldId id="257" r:id="rId5"/>
-    <p:sldId id="284" r:id="rId6"/>
-    <p:sldId id="285" r:id="rId7"/>
+    <p:sldId id="286" r:id="rId6"/>
+    <p:sldId id="287" r:id="rId7"/>
+    <p:sldId id="289" r:id="rId8"/>
+    <p:sldId id="288" r:id="rId9"/>
+    <p:sldId id="284" r:id="rId10"/>
+    <p:sldId id="285" r:id="rId11"/>
   </p:sldIdLst>
   <p:sldSz cx="12192000" cy="6858000"/>
   <p:notesSz cx="6858000" cy="9144000"/>
@@ -3473,6 +3477,169 @@
 </p:sld>
 </file>
 
+<file path=ppt/slides/slide10.xml><?xml version="1.0" encoding="utf-8"?>
+<p:sld xmlns:a="http://schemas.openxmlformats.org/drawingml/2006/main" xmlns:r="http://schemas.openxmlformats.org/officeDocument/2006/relationships" xmlns:p="http://schemas.openxmlformats.org/presentationml/2006/main">
+  <p:cSld>
+    <p:spTree>
+      <p:nvGrpSpPr>
+        <p:cNvPr id="1" name=""/>
+        <p:cNvGrpSpPr/>
+        <p:nvPr/>
+      </p:nvGrpSpPr>
+      <p:grpSpPr>
+        <a:xfrm>
+          <a:off x="0" y="0"/>
+          <a:ext cx="0" cy="0"/>
+          <a:chOff x="0" y="0"/>
+          <a:chExt cx="0" cy="0"/>
+        </a:xfrm>
+      </p:grpSpPr>
+      <p:sp>
+        <p:nvSpPr>
+          <p:cNvPr id="2" name="Title 1">
+            <a:extLst>
+              <a:ext uri="{FF2B5EF4-FFF2-40B4-BE49-F238E27FC236}">
+                <a16:creationId xmlns:a16="http://schemas.microsoft.com/office/drawing/2014/main" id="{38E4AE3D-C70D-220E-82A8-C1D64A900A0F}"/>
+              </a:ext>
+            </a:extLst>
+          </p:cNvPr>
+          <p:cNvSpPr>
+            <a:spLocks noGrp="1"/>
+          </p:cNvSpPr>
+          <p:nvPr>
+            <p:ph type="title"/>
+          </p:nvPr>
+        </p:nvSpPr>
+        <p:spPr/>
+        <p:txBody>
+          <a:bodyPr/>
+          <a:lstStyle/>
+          <a:p>
+            <a:r>
+              <a:rPr lang="en-US" dirty="0"/>
+              <a:t>Acknowledgements / Contributions</a:t>
+            </a:r>
+          </a:p>
+        </p:txBody>
+      </p:sp>
+      <p:sp>
+        <p:nvSpPr>
+          <p:cNvPr id="7" name="TextBox 6">
+            <a:extLst>
+              <a:ext uri="{FF2B5EF4-FFF2-40B4-BE49-F238E27FC236}">
+                <a16:creationId xmlns:a16="http://schemas.microsoft.com/office/drawing/2014/main" id="{D1725F2C-A6DC-4096-AD36-A6A5AF1FFD40}"/>
+              </a:ext>
+            </a:extLst>
+          </p:cNvPr>
+          <p:cNvSpPr txBox="1"/>
+          <p:nvPr/>
+        </p:nvSpPr>
+        <p:spPr>
+          <a:xfrm>
+            <a:off x="838201" y="1502688"/>
+            <a:ext cx="5055704" cy="2492990"/>
+          </a:xfrm>
+          <a:prstGeom prst="rect">
+            <a:avLst/>
+          </a:prstGeom>
+          <a:noFill/>
+        </p:spPr>
+        <p:txBody>
+          <a:bodyPr wrap="square" rtlCol="0">
+            <a:spAutoFit/>
+          </a:bodyPr>
+          <a:lstStyle/>
+          <a:p>
+            <a:r>
+              <a:rPr lang="en-US" sz="1200" dirty="0"/>
+              <a:t>These slides are Copyright 2020-  Charles R. Severance (</a:t>
+            </a:r>
+            <a:r>
+              <a:rPr lang="en-US" sz="1200" dirty="0" err="1"/>
+              <a:t>online.dr-chuck.com</a:t>
+            </a:r>
+            <a:r>
+              <a:rPr lang="en-US" sz="1200" dirty="0"/>
+              <a:t>) as part of www.cc4e.com and made available under a Creative Commons Attribution 4.0 License.  Please maintain this last slide in all copies of the document to comply with the attribution requirements of the license.  If you make a change, feel free to add your name and organization to the list of contributors on this page as you republish the materials.</a:t>
+            </a:r>
+          </a:p>
+          <a:p>
+            <a:endParaRPr lang="en-US" sz="1200" dirty="0"/>
+          </a:p>
+          <a:p>
+            <a:r>
+              <a:rPr lang="en-US" sz="1200" dirty="0"/>
+              <a:t>Initial Development: Charles Severance, University of Michigan School of Information</a:t>
+            </a:r>
+          </a:p>
+          <a:p>
+            <a:endParaRPr lang="en-US" sz="1200" dirty="0"/>
+          </a:p>
+          <a:p>
+            <a:r>
+              <a:rPr lang="en-US" sz="1200" b="1" dirty="0"/>
+              <a:t>Insert new Contributors and Translators here including names and dates</a:t>
+            </a:r>
+          </a:p>
+          <a:p>
+            <a:endParaRPr lang="en-US" sz="1200" dirty="0"/>
+          </a:p>
+          <a:p>
+            <a:endParaRPr lang="en-US" sz="1200" dirty="0"/>
+          </a:p>
+        </p:txBody>
+      </p:sp>
+      <p:sp>
+        <p:nvSpPr>
+          <p:cNvPr id="8" name="TextBox 7">
+            <a:extLst>
+              <a:ext uri="{FF2B5EF4-FFF2-40B4-BE49-F238E27FC236}">
+                <a16:creationId xmlns:a16="http://schemas.microsoft.com/office/drawing/2014/main" id="{A5B0D5A1-502A-F6A1-76FD-6D954B37EE94}"/>
+              </a:ext>
+            </a:extLst>
+          </p:cNvPr>
+          <p:cNvSpPr txBox="1"/>
+          <p:nvPr/>
+        </p:nvSpPr>
+        <p:spPr>
+          <a:xfrm>
+            <a:off x="6298097" y="1502688"/>
+            <a:ext cx="5055704" cy="461665"/>
+          </a:xfrm>
+          <a:prstGeom prst="rect">
+            <a:avLst/>
+          </a:prstGeom>
+          <a:noFill/>
+        </p:spPr>
+        <p:txBody>
+          <a:bodyPr wrap="square" rtlCol="0">
+            <a:spAutoFit/>
+          </a:bodyPr>
+          <a:lstStyle/>
+          <a:p>
+            <a:r>
+              <a:rPr lang="en-US" sz="1200" b="1" dirty="0"/>
+              <a:t>Continue new Contributors and Translators here</a:t>
+            </a:r>
+          </a:p>
+          <a:p>
+            <a:endParaRPr lang="en-US" sz="1200" dirty="0"/>
+          </a:p>
+        </p:txBody>
+      </p:sp>
+    </p:spTree>
+    <p:extLst>
+      <p:ext uri="{BB962C8B-B14F-4D97-AF65-F5344CB8AC3E}">
+        <p14:creationId xmlns:p14="http://schemas.microsoft.com/office/powerpoint/2010/main" val="2963881526"/>
+      </p:ext>
+    </p:extLst>
+  </p:cSld>
+  <p:clrMapOvr>
+    <a:masterClrMapping/>
+  </p:clrMapOvr>
+</p:sld>
+</file>
+
 <file path=ppt/slides/slide2.xml><?xml version="1.0" encoding="utf-8"?>
 <p:sld xmlns:a="http://schemas.openxmlformats.org/drawingml/2006/main" xmlns:r="http://schemas.openxmlformats.org/officeDocument/2006/relationships" xmlns:p="http://schemas.openxmlformats.org/presentationml/2006/main">
   <p:cSld>
@@ -6232,10 +6399,10 @@
       </p:grpSpPr>
       <p:sp>
         <p:nvSpPr>
-          <p:cNvPr id="3" name="Title 2">
-            <a:extLst>
-              <a:ext uri="{FF2B5EF4-FFF2-40B4-BE49-F238E27FC236}">
-                <a16:creationId xmlns:a16="http://schemas.microsoft.com/office/drawing/2014/main" id="{26D5DF8A-3D98-DC7E-85E8-EAC7EDC57520}"/>
+          <p:cNvPr id="5" name="Title 4">
+            <a:extLst>
+              <a:ext uri="{FF2B5EF4-FFF2-40B4-BE49-F238E27FC236}">
+                <a16:creationId xmlns:a16="http://schemas.microsoft.com/office/drawing/2014/main" id="{EF20C30F-965F-95DA-234E-5724432046DD}"/>
               </a:ext>
             </a:extLst>
           </p:cNvPr>
@@ -6253,128 +6420,111 @@
           <a:p>
             <a:r>
               <a:rPr lang="en-US" dirty="0"/>
-              <a:t>Summary</a:t>
-            </a:r>
-          </a:p>
-        </p:txBody>
-      </p:sp>
-      <p:sp>
-        <p:nvSpPr>
-          <p:cNvPr id="4" name="Content Placeholder 3">
-            <a:extLst>
-              <a:ext uri="{FF2B5EF4-FFF2-40B4-BE49-F238E27FC236}">
-                <a16:creationId xmlns:a16="http://schemas.microsoft.com/office/drawing/2014/main" id="{4EAA055D-FA59-02F9-40B6-72AFC8A29A76}"/>
-              </a:ext>
-            </a:extLst>
-          </p:cNvPr>
-          <p:cNvSpPr>
-            <a:spLocks noGrp="1"/>
-          </p:cNvSpPr>
-          <p:nvPr>
-            <p:ph sz="half" idx="1"/>
+              <a:t>A Brief History of Dr. Chuck</a:t>
+            </a:r>
+          </a:p>
+        </p:txBody>
+      </p:sp>
+      <p:sp>
+        <p:nvSpPr>
+          <p:cNvPr id="6" name="Content Placeholder 5">
+            <a:extLst>
+              <a:ext uri="{FF2B5EF4-FFF2-40B4-BE49-F238E27FC236}">
+                <a16:creationId xmlns:a16="http://schemas.microsoft.com/office/drawing/2014/main" id="{AC1BBE46-6EA3-46BE-1912-6A57B2B5D2CF}"/>
+              </a:ext>
+            </a:extLst>
+          </p:cNvPr>
+          <p:cNvSpPr>
+            <a:spLocks noGrp="1"/>
+          </p:cNvSpPr>
+          <p:nvPr>
+            <p:ph idx="1"/>
           </p:nvPr>
         </p:nvSpPr>
         <p:spPr/>
         <p:txBody>
-          <a:bodyPr/>
+          <a:bodyPr>
+            <a:normAutofit fontScale="92500" lnSpcReduction="20000"/>
+          </a:bodyPr>
           <a:lstStyle/>
           <a:p>
             <a:r>
               <a:rPr lang="en-US" dirty="0"/>
-              <a:t>Input/Output</a:t>
-            </a:r>
-          </a:p>
-          <a:p>
-            <a:r>
-              <a:rPr lang="en-US" dirty="0"/>
-              <a:t>Looping</a:t>
-            </a:r>
-          </a:p>
-          <a:p>
-            <a:r>
-              <a:rPr lang="en-US" dirty="0"/>
-              <a:t>Reading a file</a:t>
-            </a:r>
-          </a:p>
-          <a:p>
-            <a:r>
-              <a:rPr lang="en-US" dirty="0"/>
-              <a:t>Strings</a:t>
-            </a:r>
-          </a:p>
-          <a:p>
-            <a:r>
-              <a:rPr lang="en-US" dirty="0"/>
-              <a:t>Float</a:t>
-            </a:r>
-          </a:p>
-          <a:p>
-            <a:r>
-              <a:rPr lang="en-US" dirty="0"/>
-              <a:t>Dynamic memory</a:t>
-            </a:r>
-          </a:p>
-        </p:txBody>
-      </p:sp>
-      <p:sp>
-        <p:nvSpPr>
-          <p:cNvPr id="5" name="Content Placeholder 4">
-            <a:extLst>
-              <a:ext uri="{FF2B5EF4-FFF2-40B4-BE49-F238E27FC236}">
-                <a16:creationId xmlns:a16="http://schemas.microsoft.com/office/drawing/2014/main" id="{23FD6821-0D52-C591-FBFA-4AB416D5DA58}"/>
-              </a:ext>
-            </a:extLst>
-          </p:cNvPr>
-          <p:cNvSpPr>
-            <a:spLocks noGrp="1"/>
-          </p:cNvSpPr>
-          <p:nvPr>
-            <p:ph sz="half" idx="2"/>
-          </p:nvPr>
-        </p:nvSpPr>
-        <p:spPr/>
-        <p:txBody>
-          <a:bodyPr/>
-          <a:lstStyle/>
-          <a:p>
-            <a:r>
-              <a:rPr lang="en-US" dirty="0"/>
-              <a:t>Way too complex to implement in C (for now)</a:t>
+              <a:t>1970's – CDC 6500 / SCOPE/Hustler / FORTRAN / Pascal / Assembly</a:t>
+            </a:r>
+          </a:p>
+          <a:p>
+            <a:r>
+              <a:rPr lang="en-US" dirty="0"/>
+              <a:t>1980's</a:t>
             </a:r>
           </a:p>
           <a:p>
             <a:pPr lvl="1"/>
             <a:r>
               <a:rPr lang="en-US" dirty="0"/>
-              <a:t>Python str()</a:t>
+              <a:t>HP21MX – Assembly</a:t>
             </a:r>
           </a:p>
           <a:p>
             <a:pPr lvl="1"/>
             <a:r>
               <a:rPr lang="en-US" dirty="0"/>
-              <a:t>Python list()</a:t>
+              <a:t>Burroughs B4900 / COBOL</a:t>
             </a:r>
           </a:p>
           <a:p>
             <a:pPr lvl="1"/>
             <a:r>
               <a:rPr lang="en-US" dirty="0"/>
-              <a:t>Python </a:t>
+              <a:t>IBM PC / DOS / </a:t>
             </a:r>
             <a:r>
               <a:rPr lang="en-US" dirty="0" err="1"/>
-              <a:t>dict</a:t>
-            </a:r>
-            <a:r>
-              <a:rPr lang="en-US" dirty="0"/>
-              <a:t>()</a:t>
-            </a:r>
-          </a:p>
-          <a:p>
-            <a:r>
-              <a:rPr lang="en-US" dirty="0"/>
-              <a:t>We will revisit these as the end of the course</a:t>
+              <a:t>DBase</a:t>
+            </a:r>
+            <a:r>
+              <a:rPr lang="en-US" dirty="0"/>
+              <a:t> / Turbo Pascal</a:t>
+            </a:r>
+          </a:p>
+          <a:p>
+            <a:pPr lvl="1"/>
+            <a:r>
+              <a:rPr lang="en-US" dirty="0"/>
+              <a:t>IBM 360 / Assembly</a:t>
+            </a:r>
+          </a:p>
+          <a:p>
+            <a:pPr lvl="1"/>
+            <a:r>
+              <a:rPr lang="en-US" dirty="0"/>
+              <a:t>DEC VAX / VMS / Fortran</a:t>
+            </a:r>
+          </a:p>
+          <a:p>
+            <a:pPr lvl="1"/>
+            <a:r>
+              <a:rPr lang="en-US" dirty="0"/>
+              <a:t>ATT 3B2 / UNIX / C / FORTRAN</a:t>
+            </a:r>
+          </a:p>
+          <a:p>
+            <a:r>
+              <a:rPr lang="en-US" dirty="0"/>
+              <a:t>1990's – UNIX / Sun / Ardent / Stellar / IBM RS-6000 / Convex C2400 / NeXT – C - Also TCP/IP, HTTP – Windows / MacOS</a:t>
+            </a:r>
+          </a:p>
+          <a:p>
+            <a:r>
+              <a:rPr lang="en-US" dirty="0"/>
+              <a:t>2000's – Linux / MacOS – Java / PHP / JavaScript</a:t>
+            </a:r>
+          </a:p>
+          <a:p>
+            <a:r>
+              <a:rPr lang="en-US" dirty="0"/>
+              <a:t>2010's – Linux / MacOS – Python / Java / PHP / JavaScript</a:t>
             </a:r>
           </a:p>
         </p:txBody>
@@ -6382,7 +6532,7 @@
     </p:spTree>
     <p:extLst>
       <p:ext uri="{BB962C8B-B14F-4D97-AF65-F5344CB8AC3E}">
-        <p14:creationId xmlns:p14="http://schemas.microsoft.com/office/powerpoint/2010/main" val="3953165598"/>
+        <p14:creationId xmlns:p14="http://schemas.microsoft.com/office/powerpoint/2010/main" val="3066666187"/>
       </p:ext>
     </p:extLst>
   </p:cSld>
@@ -6414,7 +6564,7 @@
           <p:cNvPr id="2" name="Title 1">
             <a:extLst>
               <a:ext uri="{FF2B5EF4-FFF2-40B4-BE49-F238E27FC236}">
-                <a16:creationId xmlns:a16="http://schemas.microsoft.com/office/drawing/2014/main" id="{38E4AE3D-C70D-220E-82A8-C1D64A900A0F}"/>
+                <a16:creationId xmlns:a16="http://schemas.microsoft.com/office/drawing/2014/main" id="{11305538-1B77-4B6A-1673-6C2F74A41650}"/>
               </a:ext>
             </a:extLst>
           </p:cNvPr>
@@ -6432,120 +6582,546 @@
           <a:p>
             <a:r>
               <a:rPr lang="en-US" dirty="0"/>
-              <a:t>Acknowledgements / Contributions</a:t>
-            </a:r>
-          </a:p>
-        </p:txBody>
-      </p:sp>
-      <p:sp>
-        <p:nvSpPr>
-          <p:cNvPr id="7" name="TextBox 6">
-            <a:extLst>
-              <a:ext uri="{FF2B5EF4-FFF2-40B4-BE49-F238E27FC236}">
-                <a16:creationId xmlns:a16="http://schemas.microsoft.com/office/drawing/2014/main" id="{D1725F2C-A6DC-4096-AD36-A6A5AF1FFD40}"/>
-              </a:ext>
-            </a:extLst>
-          </p:cNvPr>
-          <p:cNvSpPr txBox="1"/>
-          <p:nvPr/>
-        </p:nvSpPr>
-        <p:spPr>
-          <a:xfrm>
-            <a:off x="838201" y="1502688"/>
-            <a:ext cx="5055704" cy="2492990"/>
-          </a:xfrm>
-          <a:prstGeom prst="rect">
-            <a:avLst/>
-          </a:prstGeom>
-          <a:noFill/>
-        </p:spPr>
-        <p:txBody>
-          <a:bodyPr wrap="square" rtlCol="0">
-            <a:spAutoFit/>
+              <a:t>History of UNIX</a:t>
+            </a:r>
+          </a:p>
+        </p:txBody>
+      </p:sp>
+      <p:sp>
+        <p:nvSpPr>
+          <p:cNvPr id="3" name="Content Placeholder 2">
+            <a:extLst>
+              <a:ext uri="{FF2B5EF4-FFF2-40B4-BE49-F238E27FC236}">
+                <a16:creationId xmlns:a16="http://schemas.microsoft.com/office/drawing/2014/main" id="{EF1F9B89-B246-55A4-BD42-7D7EA7355582}"/>
+              </a:ext>
+            </a:extLst>
+          </p:cNvPr>
+          <p:cNvSpPr>
+            <a:spLocks noGrp="1"/>
+          </p:cNvSpPr>
+          <p:nvPr>
+            <p:ph idx="1"/>
+          </p:nvPr>
+        </p:nvSpPr>
+        <p:spPr/>
+        <p:txBody>
+          <a:bodyPr>
+            <a:normAutofit lnSpcReduction="10000"/>
           </a:bodyPr>
           <a:lstStyle/>
           <a:p>
             <a:r>
-              <a:rPr lang="en-US" sz="1200" dirty="0"/>
-              <a:t>These slides are Copyright 2020-  Charles R. Severance (</a:t>
-            </a:r>
-            <a:r>
-              <a:rPr lang="en-US" sz="1200" dirty="0" err="1"/>
-              <a:t>online.dr-chuck.com</a:t>
-            </a:r>
-            <a:r>
-              <a:rPr lang="en-US" sz="1200" dirty="0"/>
-              <a:t>) as part of www.cc4e.com and made available under a Creative Commons Attribution 4.0 License.  Please maintain this last slide in all copies of the document to comply with the attribution requirements of the license.  If you make a change, feel free to add your name and organization to the list of contributors on this page as you republish the materials.</a:t>
-            </a:r>
-          </a:p>
-          <a:p>
-            <a:endParaRPr lang="en-US" sz="1200" dirty="0"/>
-          </a:p>
-          <a:p>
-            <a:r>
-              <a:rPr lang="en-US" sz="1200" dirty="0"/>
-              <a:t>Initial Development: Charles Severance, University of Michigan School of Information</a:t>
-            </a:r>
-          </a:p>
-          <a:p>
-            <a:endParaRPr lang="en-US" sz="1200" dirty="0"/>
-          </a:p>
-          <a:p>
-            <a:r>
-              <a:rPr lang="en-US" sz="1200" b="1" dirty="0"/>
-              <a:t>Insert new Contributors and Translators here including names and dates</a:t>
-            </a:r>
-          </a:p>
-          <a:p>
-            <a:endParaRPr lang="en-US" sz="1200" dirty="0"/>
-          </a:p>
-          <a:p>
-            <a:endParaRPr lang="en-US" sz="1200" dirty="0"/>
-          </a:p>
-        </p:txBody>
-      </p:sp>
-      <p:sp>
-        <p:nvSpPr>
-          <p:cNvPr id="8" name="TextBox 7">
-            <a:extLst>
-              <a:ext uri="{FF2B5EF4-FFF2-40B4-BE49-F238E27FC236}">
-                <a16:creationId xmlns:a16="http://schemas.microsoft.com/office/drawing/2014/main" id="{A5B0D5A1-502A-F6A1-76FD-6D954B37EE94}"/>
-              </a:ext>
-            </a:extLst>
-          </p:cNvPr>
-          <p:cNvSpPr txBox="1"/>
-          <p:nvPr/>
-        </p:nvSpPr>
-        <p:spPr>
-          <a:xfrm>
-            <a:off x="6298097" y="1502688"/>
-            <a:ext cx="5055704" cy="461665"/>
-          </a:xfrm>
-          <a:prstGeom prst="rect">
-            <a:avLst/>
-          </a:prstGeom>
-          <a:noFill/>
-        </p:spPr>
-        <p:txBody>
-          <a:bodyPr wrap="square" rtlCol="0">
-            <a:spAutoFit/>
-          </a:bodyPr>
-          <a:lstStyle/>
-          <a:p>
-            <a:r>
-              <a:rPr lang="en-US" sz="1200" b="1" dirty="0"/>
-              <a:t>Continue new Contributors and Translators here</a:t>
-            </a:r>
-          </a:p>
-          <a:p>
-            <a:endParaRPr lang="en-US" sz="1200" dirty="0"/>
+              <a:rPr lang="en-US" dirty="0"/>
+              <a:t>1960s – Multics</a:t>
+            </a:r>
+          </a:p>
+          <a:p>
+            <a:r>
+              <a:rPr lang="en-US" dirty="0"/>
+              <a:t>1970 – UNIX on a DEC PDP 11/20</a:t>
+            </a:r>
+          </a:p>
+          <a:p>
+            <a:r>
+              <a:rPr lang="en-US" dirty="0"/>
+              <a:t>1973 – UNIX Rewritten in C – Ran only on the PDP 11</a:t>
+            </a:r>
+          </a:p>
+          <a:p>
+            <a:r>
+              <a:rPr lang="en-US" dirty="0"/>
+              <a:t>1978 – UNIX ran on the </a:t>
+            </a:r>
+            <a:r>
+              <a:rPr lang="en-US" dirty="0" err="1"/>
+              <a:t>Interdata</a:t>
+            </a:r>
+            <a:r>
+              <a:rPr lang="en-US" dirty="0"/>
+              <a:t> 8/32 - C Evolved as well to support portability so UNIX could be ported</a:t>
+            </a:r>
+          </a:p>
+          <a:p>
+            <a:r>
+              <a:rPr lang="en-US" dirty="0"/>
+              <a:t>1978 – Unix version 7 ran on DEC VAX systems</a:t>
+            </a:r>
+          </a:p>
+          <a:p>
+            <a:r>
+              <a:rPr lang="en-US" dirty="0"/>
+              <a:t>1978 – 1BSD Unix Released</a:t>
+            </a:r>
+          </a:p>
+          <a:p>
+            <a:r>
+              <a:rPr lang="en-US" dirty="0"/>
+              <a:t>1982 - Sun Microsystems Founded – UNIX Workstation</a:t>
+            </a:r>
+          </a:p>
+          <a:p>
+            <a:r>
+              <a:rPr lang="en-US" dirty="0"/>
+              <a:t>Late 1980’s Intellectual Property became complex</a:t>
+            </a:r>
           </a:p>
         </p:txBody>
       </p:sp>
     </p:spTree>
     <p:extLst>
       <p:ext uri="{BB962C8B-B14F-4D97-AF65-F5344CB8AC3E}">
-        <p14:creationId xmlns:p14="http://schemas.microsoft.com/office/powerpoint/2010/main" val="2963881526"/>
+        <p14:creationId xmlns:p14="http://schemas.microsoft.com/office/powerpoint/2010/main" val="3887265877"/>
+      </p:ext>
+    </p:extLst>
+  </p:cSld>
+  <p:clrMapOvr>
+    <a:masterClrMapping/>
+  </p:clrMapOvr>
+</p:sld>
+</file>
+
+<file path=ppt/slides/slide7.xml><?xml version="1.0" encoding="utf-8"?>
+<p:sld xmlns:a="http://schemas.openxmlformats.org/drawingml/2006/main" xmlns:r="http://schemas.openxmlformats.org/officeDocument/2006/relationships" xmlns:p="http://schemas.openxmlformats.org/presentationml/2006/main">
+  <p:cSld>
+    <p:spTree>
+      <p:nvGrpSpPr>
+        <p:cNvPr id="1" name=""/>
+        <p:cNvGrpSpPr/>
+        <p:nvPr/>
+      </p:nvGrpSpPr>
+      <p:grpSpPr>
+        <a:xfrm>
+          <a:off x="0" y="0"/>
+          <a:ext cx="0" cy="0"/>
+          <a:chOff x="0" y="0"/>
+          <a:chExt cx="0" cy="0"/>
+        </a:xfrm>
+      </p:grpSpPr>
+      <p:sp>
+        <p:nvSpPr>
+          <p:cNvPr id="2" name="Title 1">
+            <a:extLst>
+              <a:ext uri="{FF2B5EF4-FFF2-40B4-BE49-F238E27FC236}">
+                <a16:creationId xmlns:a16="http://schemas.microsoft.com/office/drawing/2014/main" id="{11305538-1B77-4B6A-1673-6C2F74A41650}"/>
+              </a:ext>
+            </a:extLst>
+          </p:cNvPr>
+          <p:cNvSpPr>
+            <a:spLocks noGrp="1"/>
+          </p:cNvSpPr>
+          <p:nvPr>
+            <p:ph type="title"/>
+          </p:nvPr>
+        </p:nvSpPr>
+        <p:spPr/>
+        <p:txBody>
+          <a:bodyPr/>
+          <a:lstStyle/>
+          <a:p>
+            <a:r>
+              <a:rPr lang="en-US" dirty="0"/>
+              <a:t>The post-UNIX world</a:t>
+            </a:r>
+          </a:p>
+        </p:txBody>
+      </p:sp>
+      <p:sp>
+        <p:nvSpPr>
+          <p:cNvPr id="3" name="Content Placeholder 2">
+            <a:extLst>
+              <a:ext uri="{FF2B5EF4-FFF2-40B4-BE49-F238E27FC236}">
+                <a16:creationId xmlns:a16="http://schemas.microsoft.com/office/drawing/2014/main" id="{EF1F9B89-B246-55A4-BD42-7D7EA7355582}"/>
+              </a:ext>
+            </a:extLst>
+          </p:cNvPr>
+          <p:cNvSpPr>
+            <a:spLocks noGrp="1"/>
+          </p:cNvSpPr>
+          <p:nvPr>
+            <p:ph idx="1"/>
+          </p:nvPr>
+        </p:nvSpPr>
+        <p:spPr/>
+        <p:txBody>
+          <a:bodyPr>
+            <a:normAutofit/>
+          </a:bodyPr>
+          <a:lstStyle/>
+          <a:p>
+            <a:r>
+              <a:rPr lang="en-US" dirty="0"/>
+              <a:t>Late 1980’s UNIX was very popular – AT&amp;T saw an </a:t>
+            </a:r>
+            <a:r>
+              <a:rPr lang="en-US" dirty="0" err="1"/>
+              <a:t>opportinuty</a:t>
+            </a:r>
+            <a:r>
+              <a:rPr lang="en-US" dirty="0"/>
+              <a:t> to commercialize their work.  Many variations of UNIX had bits and pieces taken from AT&amp;T UNIX – it got complex quickly</a:t>
+            </a:r>
+          </a:p>
+          <a:p>
+            <a:r>
+              <a:rPr lang="en-US" dirty="0"/>
+              <a:t>1987 – </a:t>
+            </a:r>
+            <a:r>
+              <a:rPr lang="en-US" dirty="0" err="1"/>
+              <a:t>Minux</a:t>
+            </a:r>
+            <a:r>
+              <a:rPr lang="en-US" dirty="0"/>
+              <a:t> was developed as a fresh ground-up implementation by Andrew S. Tannenbaum to teach operating system concepts – it was free but modification and redistribution were restricted.</a:t>
+            </a:r>
+          </a:p>
+          <a:p>
+            <a:r>
+              <a:rPr lang="en-US" dirty="0"/>
+              <a:t>1991 – Linus Torvalds wanted to build a fresh ground up implementation of the “UNIX” kernel that was 100% free – some of the utility code came from the GPL-Licensed GNU project</a:t>
+            </a:r>
+          </a:p>
+          <a:p>
+            <a:r>
+              <a:rPr lang="en-US"/>
+              <a:t>1992 </a:t>
+            </a:r>
+            <a:r>
+              <a:rPr lang="en-US" dirty="0"/>
+              <a:t>– Linux adopted the </a:t>
+            </a:r>
+            <a:r>
+              <a:rPr lang="en-US"/>
+              <a:t>GPL license</a:t>
+            </a:r>
+            <a:endParaRPr lang="en-US" dirty="0"/>
+          </a:p>
+        </p:txBody>
+      </p:sp>
+    </p:spTree>
+    <p:extLst>
+      <p:ext uri="{BB962C8B-B14F-4D97-AF65-F5344CB8AC3E}">
+        <p14:creationId xmlns:p14="http://schemas.microsoft.com/office/powerpoint/2010/main" val="2645581227"/>
+      </p:ext>
+    </p:extLst>
+  </p:cSld>
+  <p:clrMapOvr>
+    <a:masterClrMapping/>
+  </p:clrMapOvr>
+</p:sld>
+</file>
+
+<file path=ppt/slides/slide8.xml><?xml version="1.0" encoding="utf-8"?>
+<p:sld xmlns:a="http://schemas.openxmlformats.org/drawingml/2006/main" xmlns:r="http://schemas.openxmlformats.org/officeDocument/2006/relationships" xmlns:p="http://schemas.openxmlformats.org/presentationml/2006/main">
+  <p:cSld>
+    <p:spTree>
+      <p:nvGrpSpPr>
+        <p:cNvPr id="1" name=""/>
+        <p:cNvGrpSpPr/>
+        <p:nvPr/>
+      </p:nvGrpSpPr>
+      <p:grpSpPr>
+        <a:xfrm>
+          <a:off x="0" y="0"/>
+          <a:ext cx="0" cy="0"/>
+          <a:chOff x="0" y="0"/>
+          <a:chExt cx="0" cy="0"/>
+        </a:xfrm>
+      </p:grpSpPr>
+      <p:sp>
+        <p:nvSpPr>
+          <p:cNvPr id="2" name="Title 1">
+            <a:extLst>
+              <a:ext uri="{FF2B5EF4-FFF2-40B4-BE49-F238E27FC236}">
+                <a16:creationId xmlns:a16="http://schemas.microsoft.com/office/drawing/2014/main" id="{AA84B997-EEEC-D505-D7FE-4AADA7DC7085}"/>
+              </a:ext>
+            </a:extLst>
+          </p:cNvPr>
+          <p:cNvSpPr>
+            <a:spLocks noGrp="1"/>
+          </p:cNvSpPr>
+          <p:nvPr>
+            <p:ph type="title"/>
+          </p:nvPr>
+        </p:nvSpPr>
+        <p:spPr/>
+        <p:txBody>
+          <a:bodyPr/>
+          <a:lstStyle/>
+          <a:p>
+            <a:r>
+              <a:rPr lang="en-US"/>
+              <a:t>History of C</a:t>
+            </a:r>
+          </a:p>
+        </p:txBody>
+      </p:sp>
+      <p:sp>
+        <p:nvSpPr>
+          <p:cNvPr id="3" name="Content Placeholder 2">
+            <a:extLst>
+              <a:ext uri="{FF2B5EF4-FFF2-40B4-BE49-F238E27FC236}">
+                <a16:creationId xmlns:a16="http://schemas.microsoft.com/office/drawing/2014/main" id="{9B0184BE-F860-1772-1959-D5CDF4BED977}"/>
+              </a:ext>
+            </a:extLst>
+          </p:cNvPr>
+          <p:cNvSpPr>
+            <a:spLocks noGrp="1"/>
+          </p:cNvSpPr>
+          <p:nvPr>
+            <p:ph idx="1"/>
+          </p:nvPr>
+        </p:nvSpPr>
+        <p:spPr>
+          <a:xfrm>
+            <a:off x="801129" y="1825625"/>
+            <a:ext cx="10515600" cy="4351338"/>
+          </a:xfrm>
+        </p:spPr>
+        <p:txBody>
+          <a:bodyPr>
+            <a:normAutofit fontScale="92500" lnSpcReduction="10000"/>
+          </a:bodyPr>
+          <a:lstStyle/>
+          <a:p>
+            <a:r>
+              <a:rPr lang="en-US" dirty="0"/>
+              <a:t>1969 – B Language – Word oriented (i.e. not byte oriented)</a:t>
+            </a:r>
+          </a:p>
+          <a:p>
+            <a:r>
+              <a:rPr lang="en-US" dirty="0"/>
+              <a:t>1972 – C Multiple types including (byte / character)</a:t>
+            </a:r>
+          </a:p>
+          <a:p>
+            <a:r>
+              <a:rPr lang="en-US" dirty="0"/>
+              <a:t>1972 – 1978 – C and UNIX co-evolved with a goal of increasingly less assembly language in UNIX</a:t>
+            </a:r>
+          </a:p>
+          <a:p>
+            <a:r>
+              <a:rPr lang="en-US" dirty="0"/>
+              <a:t>1978 – K&amp;R C</a:t>
+            </a:r>
+          </a:p>
+          <a:p>
+            <a:r>
+              <a:rPr lang="en-US" dirty="0"/>
+              <a:t>1989 – C89 / ANSI </a:t>
+            </a:r>
+          </a:p>
+          <a:p>
+            <a:r>
+              <a:rPr lang="en-US" dirty="0"/>
+              <a:t>1990  - C90 / ISO C</a:t>
+            </a:r>
+          </a:p>
+          <a:p>
+            <a:r>
+              <a:rPr lang="en-US" dirty="0"/>
+              <a:t>1999 – C99</a:t>
+            </a:r>
+          </a:p>
+          <a:p>
+            <a:r>
+              <a:rPr lang="en-US" dirty="0"/>
+              <a:t>2011 – C11</a:t>
+            </a:r>
+          </a:p>
+          <a:p>
+            <a:r>
+              <a:rPr lang="en-US" dirty="0"/>
+              <a:t>2018 – C18</a:t>
+            </a:r>
+          </a:p>
+        </p:txBody>
+      </p:sp>
+    </p:spTree>
+    <p:extLst>
+      <p:ext uri="{BB962C8B-B14F-4D97-AF65-F5344CB8AC3E}">
+        <p14:creationId xmlns:p14="http://schemas.microsoft.com/office/powerpoint/2010/main" val="1809208229"/>
+      </p:ext>
+    </p:extLst>
+  </p:cSld>
+  <p:clrMapOvr>
+    <a:masterClrMapping/>
+  </p:clrMapOvr>
+</p:sld>
+</file>
+
+<file path=ppt/slides/slide9.xml><?xml version="1.0" encoding="utf-8"?>
+<p:sld xmlns:a="http://schemas.openxmlformats.org/drawingml/2006/main" xmlns:r="http://schemas.openxmlformats.org/officeDocument/2006/relationships" xmlns:p="http://schemas.openxmlformats.org/presentationml/2006/main">
+  <p:cSld>
+    <p:spTree>
+      <p:nvGrpSpPr>
+        <p:cNvPr id="1" name=""/>
+        <p:cNvGrpSpPr/>
+        <p:nvPr/>
+      </p:nvGrpSpPr>
+      <p:grpSpPr>
+        <a:xfrm>
+          <a:off x="0" y="0"/>
+          <a:ext cx="0" cy="0"/>
+          <a:chOff x="0" y="0"/>
+          <a:chExt cx="0" cy="0"/>
+        </a:xfrm>
+      </p:grpSpPr>
+      <p:sp>
+        <p:nvSpPr>
+          <p:cNvPr id="3" name="Title 2">
+            <a:extLst>
+              <a:ext uri="{FF2B5EF4-FFF2-40B4-BE49-F238E27FC236}">
+                <a16:creationId xmlns:a16="http://schemas.microsoft.com/office/drawing/2014/main" id="{26D5DF8A-3D98-DC7E-85E8-EAC7EDC57520}"/>
+              </a:ext>
+            </a:extLst>
+          </p:cNvPr>
+          <p:cNvSpPr>
+            <a:spLocks noGrp="1"/>
+          </p:cNvSpPr>
+          <p:nvPr>
+            <p:ph type="title"/>
+          </p:nvPr>
+        </p:nvSpPr>
+        <p:spPr/>
+        <p:txBody>
+          <a:bodyPr/>
+          <a:lstStyle/>
+          <a:p>
+            <a:r>
+              <a:rPr lang="en-US" dirty="0"/>
+              <a:t>Summary</a:t>
+            </a:r>
+          </a:p>
+        </p:txBody>
+      </p:sp>
+      <p:sp>
+        <p:nvSpPr>
+          <p:cNvPr id="4" name="Content Placeholder 3">
+            <a:extLst>
+              <a:ext uri="{FF2B5EF4-FFF2-40B4-BE49-F238E27FC236}">
+                <a16:creationId xmlns:a16="http://schemas.microsoft.com/office/drawing/2014/main" id="{4EAA055D-FA59-02F9-40B6-72AFC8A29A76}"/>
+              </a:ext>
+            </a:extLst>
+          </p:cNvPr>
+          <p:cNvSpPr>
+            <a:spLocks noGrp="1"/>
+          </p:cNvSpPr>
+          <p:nvPr>
+            <p:ph sz="half" idx="1"/>
+          </p:nvPr>
+        </p:nvSpPr>
+        <p:spPr/>
+        <p:txBody>
+          <a:bodyPr/>
+          <a:lstStyle/>
+          <a:p>
+            <a:r>
+              <a:rPr lang="en-US" dirty="0"/>
+              <a:t>Input/Output</a:t>
+            </a:r>
+          </a:p>
+          <a:p>
+            <a:r>
+              <a:rPr lang="en-US" dirty="0"/>
+              <a:t>Looping</a:t>
+            </a:r>
+          </a:p>
+          <a:p>
+            <a:r>
+              <a:rPr lang="en-US" dirty="0"/>
+              <a:t>Reading a file</a:t>
+            </a:r>
+          </a:p>
+          <a:p>
+            <a:r>
+              <a:rPr lang="en-US" dirty="0"/>
+              <a:t>Strings</a:t>
+            </a:r>
+          </a:p>
+          <a:p>
+            <a:r>
+              <a:rPr lang="en-US" dirty="0"/>
+              <a:t>Float</a:t>
+            </a:r>
+          </a:p>
+          <a:p>
+            <a:r>
+              <a:rPr lang="en-US" dirty="0"/>
+              <a:t>Dynamic memory</a:t>
+            </a:r>
+          </a:p>
+        </p:txBody>
+      </p:sp>
+      <p:sp>
+        <p:nvSpPr>
+          <p:cNvPr id="5" name="Content Placeholder 4">
+            <a:extLst>
+              <a:ext uri="{FF2B5EF4-FFF2-40B4-BE49-F238E27FC236}">
+                <a16:creationId xmlns:a16="http://schemas.microsoft.com/office/drawing/2014/main" id="{23FD6821-0D52-C591-FBFA-4AB416D5DA58}"/>
+              </a:ext>
+            </a:extLst>
+          </p:cNvPr>
+          <p:cNvSpPr>
+            <a:spLocks noGrp="1"/>
+          </p:cNvSpPr>
+          <p:nvPr>
+            <p:ph sz="half" idx="2"/>
+          </p:nvPr>
+        </p:nvSpPr>
+        <p:spPr/>
+        <p:txBody>
+          <a:bodyPr/>
+          <a:lstStyle/>
+          <a:p>
+            <a:r>
+              <a:rPr lang="en-US" dirty="0"/>
+              <a:t>Way too complex to implement in C (for now)</a:t>
+            </a:r>
+          </a:p>
+          <a:p>
+            <a:pPr lvl="1"/>
+            <a:r>
+              <a:rPr lang="en-US" dirty="0"/>
+              <a:t>Python str()</a:t>
+            </a:r>
+          </a:p>
+          <a:p>
+            <a:pPr lvl="1"/>
+            <a:r>
+              <a:rPr lang="en-US" dirty="0"/>
+              <a:t>Python list()</a:t>
+            </a:r>
+          </a:p>
+          <a:p>
+            <a:pPr lvl="1"/>
+            <a:r>
+              <a:rPr lang="en-US" dirty="0"/>
+              <a:t>Python </a:t>
+            </a:r>
+            <a:r>
+              <a:rPr lang="en-US" dirty="0" err="1"/>
+              <a:t>dict</a:t>
+            </a:r>
+            <a:r>
+              <a:rPr lang="en-US" dirty="0"/>
+              <a:t>()</a:t>
+            </a:r>
+          </a:p>
+          <a:p>
+            <a:r>
+              <a:rPr lang="en-US" dirty="0"/>
+              <a:t>We will revisit these as the end of the course</a:t>
+            </a:r>
+          </a:p>
+        </p:txBody>
+      </p:sp>
+    </p:spTree>
+    <p:extLst>
+      <p:ext uri="{BB962C8B-B14F-4D97-AF65-F5344CB8AC3E}">
+        <p14:creationId xmlns:p14="http://schemas.microsoft.com/office/powerpoint/2010/main" val="3953165598"/>
       </p:ext>
     </p:extLst>
   </p:cSld>

--- a/lectures/CC-01-History.pptx
+++ b/lectures/CC-01-History.pptx
@@ -13,8 +13,9 @@
     <p:sldId id="287" r:id="rId7"/>
     <p:sldId id="289" r:id="rId8"/>
     <p:sldId id="288" r:id="rId9"/>
-    <p:sldId id="284" r:id="rId10"/>
-    <p:sldId id="285" r:id="rId11"/>
+    <p:sldId id="290" r:id="rId10"/>
+    <p:sldId id="284" r:id="rId11"/>
+    <p:sldId id="285" r:id="rId12"/>
   </p:sldIdLst>
   <p:sldSz cx="12192000" cy="6858000"/>
   <p:notesSz cx="6858000" cy="9144000"/>
@@ -268,7 +269,7 @@
           <a:p>
             <a:fld id="{C13A938A-C9BA-0346-A74F-83EB1631032C}" type="datetimeFigureOut">
               <a:rPr lang="en-US" smtClean="0"/>
-              <a:t>7/26/22</a:t>
+              <a:t>7/27/22</a:t>
             </a:fld>
             <a:endParaRPr lang="en-US"/>
           </a:p>
@@ -466,7 +467,7 @@
           <a:p>
             <a:fld id="{C13A938A-C9BA-0346-A74F-83EB1631032C}" type="datetimeFigureOut">
               <a:rPr lang="en-US" smtClean="0"/>
-              <a:t>7/26/22</a:t>
+              <a:t>7/27/22</a:t>
             </a:fld>
             <a:endParaRPr lang="en-US"/>
           </a:p>
@@ -674,7 +675,7 @@
           <a:p>
             <a:fld id="{C13A938A-C9BA-0346-A74F-83EB1631032C}" type="datetimeFigureOut">
               <a:rPr lang="en-US" smtClean="0"/>
-              <a:t>7/26/22</a:t>
+              <a:t>7/27/22</a:t>
             </a:fld>
             <a:endParaRPr lang="en-US"/>
           </a:p>
@@ -872,7 +873,7 @@
           <a:p>
             <a:fld id="{C13A938A-C9BA-0346-A74F-83EB1631032C}" type="datetimeFigureOut">
               <a:rPr lang="en-US" smtClean="0"/>
-              <a:t>7/26/22</a:t>
+              <a:t>7/27/22</a:t>
             </a:fld>
             <a:endParaRPr lang="en-US"/>
           </a:p>
@@ -1147,7 +1148,7 @@
           <a:p>
             <a:fld id="{C13A938A-C9BA-0346-A74F-83EB1631032C}" type="datetimeFigureOut">
               <a:rPr lang="en-US" smtClean="0"/>
-              <a:t>7/26/22</a:t>
+              <a:t>7/27/22</a:t>
             </a:fld>
             <a:endParaRPr lang="en-US"/>
           </a:p>
@@ -1412,7 +1413,7 @@
           <a:p>
             <a:fld id="{C13A938A-C9BA-0346-A74F-83EB1631032C}" type="datetimeFigureOut">
               <a:rPr lang="en-US" smtClean="0"/>
-              <a:t>7/26/22</a:t>
+              <a:t>7/27/22</a:t>
             </a:fld>
             <a:endParaRPr lang="en-US"/>
           </a:p>
@@ -1824,7 +1825,7 @@
           <a:p>
             <a:fld id="{C13A938A-C9BA-0346-A74F-83EB1631032C}" type="datetimeFigureOut">
               <a:rPr lang="en-US" smtClean="0"/>
-              <a:t>7/26/22</a:t>
+              <a:t>7/27/22</a:t>
             </a:fld>
             <a:endParaRPr lang="en-US"/>
           </a:p>
@@ -1965,7 +1966,7 @@
           <a:p>
             <a:fld id="{C13A938A-C9BA-0346-A74F-83EB1631032C}" type="datetimeFigureOut">
               <a:rPr lang="en-US" smtClean="0"/>
-              <a:t>7/26/22</a:t>
+              <a:t>7/27/22</a:t>
             </a:fld>
             <a:endParaRPr lang="en-US"/>
           </a:p>
@@ -2078,7 +2079,7 @@
           <a:p>
             <a:fld id="{C13A938A-C9BA-0346-A74F-83EB1631032C}" type="datetimeFigureOut">
               <a:rPr lang="en-US" smtClean="0"/>
-              <a:t>7/26/22</a:t>
+              <a:t>7/27/22</a:t>
             </a:fld>
             <a:endParaRPr lang="en-US"/>
           </a:p>
@@ -2389,7 +2390,7 @@
           <a:p>
             <a:fld id="{C13A938A-C9BA-0346-A74F-83EB1631032C}" type="datetimeFigureOut">
               <a:rPr lang="en-US" smtClean="0"/>
-              <a:t>7/26/22</a:t>
+              <a:t>7/27/22</a:t>
             </a:fld>
             <a:endParaRPr lang="en-US"/>
           </a:p>
@@ -2677,7 +2678,7 @@
           <a:p>
             <a:fld id="{C13A938A-C9BA-0346-A74F-83EB1631032C}" type="datetimeFigureOut">
               <a:rPr lang="en-US" smtClean="0"/>
-              <a:t>7/26/22</a:t>
+              <a:t>7/27/22</a:t>
             </a:fld>
             <a:endParaRPr lang="en-US"/>
           </a:p>
@@ -2918,7 +2919,7 @@
           <a:p>
             <a:fld id="{C13A938A-C9BA-0346-A74F-83EB1631032C}" type="datetimeFigureOut">
               <a:rPr lang="en-US" smtClean="0"/>
-              <a:t>7/26/22</a:t>
+              <a:t>7/27/22</a:t>
             </a:fld>
             <a:endParaRPr lang="en-US"/>
           </a:p>
@@ -3496,6 +3497,185 @@
       </p:grpSpPr>
       <p:sp>
         <p:nvSpPr>
+          <p:cNvPr id="3" name="Title 2">
+            <a:extLst>
+              <a:ext uri="{FF2B5EF4-FFF2-40B4-BE49-F238E27FC236}">
+                <a16:creationId xmlns:a16="http://schemas.microsoft.com/office/drawing/2014/main" id="{26D5DF8A-3D98-DC7E-85E8-EAC7EDC57520}"/>
+              </a:ext>
+            </a:extLst>
+          </p:cNvPr>
+          <p:cNvSpPr>
+            <a:spLocks noGrp="1"/>
+          </p:cNvSpPr>
+          <p:nvPr>
+            <p:ph type="title"/>
+          </p:nvPr>
+        </p:nvSpPr>
+        <p:spPr/>
+        <p:txBody>
+          <a:bodyPr/>
+          <a:lstStyle/>
+          <a:p>
+            <a:r>
+              <a:rPr lang="en-US" dirty="0"/>
+              <a:t>Summary</a:t>
+            </a:r>
+          </a:p>
+        </p:txBody>
+      </p:sp>
+      <p:sp>
+        <p:nvSpPr>
+          <p:cNvPr id="4" name="Content Placeholder 3">
+            <a:extLst>
+              <a:ext uri="{FF2B5EF4-FFF2-40B4-BE49-F238E27FC236}">
+                <a16:creationId xmlns:a16="http://schemas.microsoft.com/office/drawing/2014/main" id="{4EAA055D-FA59-02F9-40B6-72AFC8A29A76}"/>
+              </a:ext>
+            </a:extLst>
+          </p:cNvPr>
+          <p:cNvSpPr>
+            <a:spLocks noGrp="1"/>
+          </p:cNvSpPr>
+          <p:nvPr>
+            <p:ph sz="half" idx="1"/>
+          </p:nvPr>
+        </p:nvSpPr>
+        <p:spPr/>
+        <p:txBody>
+          <a:bodyPr/>
+          <a:lstStyle/>
+          <a:p>
+            <a:r>
+              <a:rPr lang="en-US" dirty="0"/>
+              <a:t>Input/Output</a:t>
+            </a:r>
+          </a:p>
+          <a:p>
+            <a:r>
+              <a:rPr lang="en-US" dirty="0"/>
+              <a:t>Looping</a:t>
+            </a:r>
+          </a:p>
+          <a:p>
+            <a:r>
+              <a:rPr lang="en-US" dirty="0"/>
+              <a:t>Reading a file</a:t>
+            </a:r>
+          </a:p>
+          <a:p>
+            <a:r>
+              <a:rPr lang="en-US" dirty="0"/>
+              <a:t>Strings</a:t>
+            </a:r>
+          </a:p>
+          <a:p>
+            <a:r>
+              <a:rPr lang="en-US" dirty="0"/>
+              <a:t>Float</a:t>
+            </a:r>
+          </a:p>
+          <a:p>
+            <a:r>
+              <a:rPr lang="en-US" dirty="0"/>
+              <a:t>Dynamic memory</a:t>
+            </a:r>
+          </a:p>
+        </p:txBody>
+      </p:sp>
+      <p:sp>
+        <p:nvSpPr>
+          <p:cNvPr id="5" name="Content Placeholder 4">
+            <a:extLst>
+              <a:ext uri="{FF2B5EF4-FFF2-40B4-BE49-F238E27FC236}">
+                <a16:creationId xmlns:a16="http://schemas.microsoft.com/office/drawing/2014/main" id="{23FD6821-0D52-C591-FBFA-4AB416D5DA58}"/>
+              </a:ext>
+            </a:extLst>
+          </p:cNvPr>
+          <p:cNvSpPr>
+            <a:spLocks noGrp="1"/>
+          </p:cNvSpPr>
+          <p:nvPr>
+            <p:ph sz="half" idx="2"/>
+          </p:nvPr>
+        </p:nvSpPr>
+        <p:spPr/>
+        <p:txBody>
+          <a:bodyPr/>
+          <a:lstStyle/>
+          <a:p>
+            <a:r>
+              <a:rPr lang="en-US" dirty="0"/>
+              <a:t>Way too complex to implement in C (for now)</a:t>
+            </a:r>
+          </a:p>
+          <a:p>
+            <a:pPr lvl="1"/>
+            <a:r>
+              <a:rPr lang="en-US" dirty="0"/>
+              <a:t>Python str()</a:t>
+            </a:r>
+          </a:p>
+          <a:p>
+            <a:pPr lvl="1"/>
+            <a:r>
+              <a:rPr lang="en-US" dirty="0"/>
+              <a:t>Python list()</a:t>
+            </a:r>
+          </a:p>
+          <a:p>
+            <a:pPr lvl="1"/>
+            <a:r>
+              <a:rPr lang="en-US" dirty="0"/>
+              <a:t>Python </a:t>
+            </a:r>
+            <a:r>
+              <a:rPr lang="en-US" dirty="0" err="1"/>
+              <a:t>dict</a:t>
+            </a:r>
+            <a:r>
+              <a:rPr lang="en-US" dirty="0"/>
+              <a:t>()</a:t>
+            </a:r>
+          </a:p>
+          <a:p>
+            <a:r>
+              <a:rPr lang="en-US" dirty="0"/>
+              <a:t>We will revisit these as the end of the course</a:t>
+            </a:r>
+          </a:p>
+        </p:txBody>
+      </p:sp>
+    </p:spTree>
+    <p:extLst>
+      <p:ext uri="{BB962C8B-B14F-4D97-AF65-F5344CB8AC3E}">
+        <p14:creationId xmlns:p14="http://schemas.microsoft.com/office/powerpoint/2010/main" val="3953165598"/>
+      </p:ext>
+    </p:extLst>
+  </p:cSld>
+  <p:clrMapOvr>
+    <a:masterClrMapping/>
+  </p:clrMapOvr>
+</p:sld>
+</file>
+
+<file path=ppt/slides/slide11.xml><?xml version="1.0" encoding="utf-8"?>
+<p:sld xmlns:a="http://schemas.openxmlformats.org/drawingml/2006/main" xmlns:r="http://schemas.openxmlformats.org/officeDocument/2006/relationships" xmlns:p="http://schemas.openxmlformats.org/presentationml/2006/main">
+  <p:cSld>
+    <p:spTree>
+      <p:nvGrpSpPr>
+        <p:cNvPr id="1" name=""/>
+        <p:cNvGrpSpPr/>
+        <p:nvPr/>
+      </p:nvGrpSpPr>
+      <p:grpSpPr>
+        <a:xfrm>
+          <a:off x="0" y="0"/>
+          <a:ext cx="0" cy="0"/>
+          <a:chOff x="0" y="0"/>
+          <a:chExt cx="0" cy="0"/>
+        </a:xfrm>
+      </p:grpSpPr>
+      <p:sp>
+        <p:nvSpPr>
           <p:cNvPr id="2" name="Title 1">
             <a:extLst>
               <a:ext uri="{FF2B5EF4-FFF2-40B4-BE49-F238E27FC236}">
@@ -6910,7 +7090,7 @@
           <a:p>
             <a:r>
               <a:rPr lang="en-US" dirty="0"/>
-              <a:t>1989 – C89 / ANSI </a:t>
+              <a:t>1989 – C89 / ANSI – void type, C++ declarations, character sets, locales</a:t>
             </a:r>
           </a:p>
           <a:p>
@@ -6922,19 +7102,19 @@
           <a:p>
             <a:r>
               <a:rPr lang="en-US" dirty="0"/>
-              <a:t>1999 – C99</a:t>
-            </a:r>
-          </a:p>
-          <a:p>
-            <a:r>
-              <a:rPr lang="en-US" dirty="0"/>
-              <a:t>2011 – C11</a:t>
-            </a:r>
-          </a:p>
-          <a:p>
-            <a:r>
-              <a:rPr lang="en-US" dirty="0"/>
-              <a:t>2018 – C18</a:t>
+              <a:t>1999 – C99 – complex type, // comments, Unicode</a:t>
+            </a:r>
+          </a:p>
+          <a:p>
+            <a:r>
+              <a:rPr lang="en-US" dirty="0"/>
+              <a:t>2011 – C11 – Library improvements</a:t>
+            </a:r>
+          </a:p>
+          <a:p>
+            <a:r>
+              <a:rPr lang="en-US" dirty="0"/>
+              <a:t>2018 – C17 - Cleanup of C11</a:t>
             </a:r>
           </a:p>
         </p:txBody>
@@ -6971,10 +7151,10 @@
       </p:grpSpPr>
       <p:sp>
         <p:nvSpPr>
-          <p:cNvPr id="3" name="Title 2">
-            <a:extLst>
-              <a:ext uri="{FF2B5EF4-FFF2-40B4-BE49-F238E27FC236}">
-                <a16:creationId xmlns:a16="http://schemas.microsoft.com/office/drawing/2014/main" id="{26D5DF8A-3D98-DC7E-85E8-EAC7EDC57520}"/>
+          <p:cNvPr id="2" name="Title 1">
+            <a:extLst>
+              <a:ext uri="{FF2B5EF4-FFF2-40B4-BE49-F238E27FC236}">
+                <a16:creationId xmlns:a16="http://schemas.microsoft.com/office/drawing/2014/main" id="{864083C0-0889-3E9B-EDED-29E439CA8616}"/>
               </a:ext>
             </a:extLst>
           </p:cNvPr>
@@ -6992,128 +7172,88 @@
           <a:p>
             <a:r>
               <a:rPr lang="en-US" dirty="0"/>
-              <a:t>Summary</a:t>
-            </a:r>
-          </a:p>
-        </p:txBody>
-      </p:sp>
-      <p:sp>
-        <p:nvSpPr>
-          <p:cNvPr id="4" name="Content Placeholder 3">
-            <a:extLst>
-              <a:ext uri="{FF2B5EF4-FFF2-40B4-BE49-F238E27FC236}">
-                <a16:creationId xmlns:a16="http://schemas.microsoft.com/office/drawing/2014/main" id="{4EAA055D-FA59-02F9-40B6-72AFC8A29A76}"/>
-              </a:ext>
-            </a:extLst>
-          </p:cNvPr>
-          <p:cNvSpPr>
-            <a:spLocks noGrp="1"/>
-          </p:cNvSpPr>
-          <p:nvPr>
-            <p:ph sz="half" idx="1"/>
+              <a:t>Modern C / Future </a:t>
+            </a:r>
+            <a:r>
+              <a:rPr lang="en-US"/>
+              <a:t>of C  / post C</a:t>
+            </a:r>
+            <a:endParaRPr lang="en-US" dirty="0"/>
+          </a:p>
+        </p:txBody>
+      </p:sp>
+      <p:sp>
+        <p:nvSpPr>
+          <p:cNvPr id="3" name="Content Placeholder 2">
+            <a:extLst>
+              <a:ext uri="{FF2B5EF4-FFF2-40B4-BE49-F238E27FC236}">
+                <a16:creationId xmlns:a16="http://schemas.microsoft.com/office/drawing/2014/main" id="{22247E16-9E30-A23F-DCB3-F97CFEA8F64F}"/>
+              </a:ext>
+            </a:extLst>
+          </p:cNvPr>
+          <p:cNvSpPr>
+            <a:spLocks noGrp="1"/>
+          </p:cNvSpPr>
+          <p:nvPr>
+            <p:ph idx="1"/>
           </p:nvPr>
         </p:nvSpPr>
         <p:spPr/>
         <p:txBody>
-          <a:bodyPr/>
+          <a:bodyPr>
+            <a:normAutofit/>
+          </a:bodyPr>
           <a:lstStyle/>
           <a:p>
             <a:r>
               <a:rPr lang="en-US" dirty="0"/>
-              <a:t>Input/Output</a:t>
-            </a:r>
-          </a:p>
-          <a:p>
-            <a:r>
-              <a:rPr lang="en-US" dirty="0"/>
-              <a:t>Looping</a:t>
-            </a:r>
-          </a:p>
-          <a:p>
-            <a:r>
-              <a:rPr lang="en-US" dirty="0"/>
-              <a:t>Reading a file</a:t>
-            </a:r>
-          </a:p>
-          <a:p>
-            <a:r>
-              <a:rPr lang="en-US" dirty="0"/>
-              <a:t>Strings</a:t>
-            </a:r>
-          </a:p>
-          <a:p>
-            <a:r>
-              <a:rPr lang="en-US" dirty="0"/>
-              <a:t>Float</a:t>
-            </a:r>
-          </a:p>
-          <a:p>
-            <a:r>
-              <a:rPr lang="en-US" dirty="0"/>
-              <a:t>Dynamic memory</a:t>
-            </a:r>
-          </a:p>
-        </p:txBody>
-      </p:sp>
-      <p:sp>
-        <p:nvSpPr>
-          <p:cNvPr id="5" name="Content Placeholder 4">
-            <a:extLst>
-              <a:ext uri="{FF2B5EF4-FFF2-40B4-BE49-F238E27FC236}">
-                <a16:creationId xmlns:a16="http://schemas.microsoft.com/office/drawing/2014/main" id="{23FD6821-0D52-C591-FBFA-4AB416D5DA58}"/>
-              </a:ext>
-            </a:extLst>
-          </p:cNvPr>
-          <p:cNvSpPr>
-            <a:spLocks noGrp="1"/>
-          </p:cNvSpPr>
-          <p:nvPr>
-            <p:ph sz="half" idx="2"/>
-          </p:nvPr>
-        </p:nvSpPr>
-        <p:spPr/>
-        <p:txBody>
-          <a:bodyPr/>
-          <a:lstStyle/>
-          <a:p>
-            <a:r>
-              <a:rPr lang="en-US" dirty="0"/>
-              <a:t>Way too complex to implement in C (for now)</a:t>
+              <a:t>Challenges to use C as general purpose languages</a:t>
             </a:r>
           </a:p>
           <a:p>
             <a:pPr lvl="1"/>
             <a:r>
               <a:rPr lang="en-US" dirty="0"/>
-              <a:t>Python str()</a:t>
+              <a:t>No dynamic memory support in the core types / libraries</a:t>
             </a:r>
           </a:p>
           <a:p>
             <a:pPr lvl="1"/>
             <a:r>
               <a:rPr lang="en-US" dirty="0"/>
-              <a:t>Python list()</a:t>
+              <a:t>No “safe” string type</a:t>
+            </a:r>
+          </a:p>
+          <a:p>
+            <a:r>
+              <a:rPr lang="en-US" dirty="0"/>
+              <a:t>C++ is best thought of as a more powerful and flexible C for professional programmers and systems applications</a:t>
+            </a:r>
+          </a:p>
+          <a:p>
+            <a:r>
+              <a:rPr lang="en-US" dirty="0"/>
+              <a:t>Java / JavaScript / C# / Python – Types are usually objects – not ”close to the metal” – Not as well suited for an operating system Kernel</a:t>
+            </a:r>
+          </a:p>
+          <a:p>
+            <a:r>
+              <a:rPr lang="en-US" dirty="0"/>
+              <a:t>The likely follow on to C in systems applications is Rust</a:t>
             </a:r>
           </a:p>
           <a:p>
             <a:pPr lvl="1"/>
             <a:r>
               <a:rPr lang="en-US" dirty="0"/>
-              <a:t>Python </a:t>
-            </a:r>
-            <a:r>
-              <a:rPr lang="en-US" dirty="0" err="1"/>
-              <a:t>dict</a:t>
-            </a:r>
-            <a:r>
-              <a:rPr lang="en-US" dirty="0"/>
-              <a:t>()</a:t>
-            </a:r>
-          </a:p>
-          <a:p>
-            <a:r>
-              <a:rPr lang="en-US" dirty="0"/>
-              <a:t>We will revisit these as the end of the course</a:t>
+              <a:t>Stays close to the metal while providing simple and safe core data types</a:t>
+            </a:r>
+          </a:p>
+          <a:p>
+            <a:pPr lvl="1"/>
+            <a:r>
+              <a:rPr lang="en-US" dirty="0"/>
+              <a:t>Becoming the second official language in “Linux” </a:t>
             </a:r>
           </a:p>
         </p:txBody>
@@ -7121,7 +7261,7 @@
     </p:spTree>
     <p:extLst>
       <p:ext uri="{BB962C8B-B14F-4D97-AF65-F5344CB8AC3E}">
-        <p14:creationId xmlns:p14="http://schemas.microsoft.com/office/powerpoint/2010/main" val="3953165598"/>
+        <p14:creationId xmlns:p14="http://schemas.microsoft.com/office/powerpoint/2010/main" val="4282226708"/>
       </p:ext>
     </p:extLst>
   </p:cSld>

--- a/lectures/CC-01-History.pptx
+++ b/lectures/CC-01-History.pptx
@@ -6624,7 +6624,7 @@
         <p:spPr/>
         <p:txBody>
           <a:bodyPr>
-            <a:normAutofit fontScale="92500" lnSpcReduction="20000"/>
+            <a:normAutofit fontScale="85000" lnSpcReduction="20000"/>
           </a:bodyPr>
           <a:lstStyle/>
           <a:p>
@@ -6657,6 +6657,13 @@
             <a:pPr lvl="1"/>
             <a:r>
               <a:rPr lang="en-US" dirty="0"/>
+              <a:t>Fortune 32:13 / UNIX / C</a:t>
+            </a:r>
+          </a:p>
+          <a:p>
+            <a:pPr lvl="1"/>
+            <a:r>
+              <a:rPr lang="en-US" dirty="0"/>
               <a:t>IBM PC / DOS / </a:t>
             </a:r>
             <a:r>
@@ -6686,7 +6693,7 @@
             <a:pPr lvl="1"/>
             <a:r>
               <a:rPr lang="en-US" dirty="0"/>
-              <a:t>ATT 3B2 / UNIX / C / FORTRAN</a:t>
+              <a:t>AT&amp;T 3B2 / UNIX / C / FORTRAN</a:t>
             </a:r>
           </a:p>
           <a:p>
@@ -6930,15 +6937,7 @@
           <a:p>
             <a:r>
               <a:rPr lang="en-US" dirty="0"/>
-              <a:t>Late 1980’s UNIX was very popular – AT&amp;T saw an </a:t>
-            </a:r>
-            <a:r>
-              <a:rPr lang="en-US" dirty="0" err="1"/>
-              <a:t>opportinuty</a:t>
-            </a:r>
-            <a:r>
-              <a:rPr lang="en-US" dirty="0"/>
-              <a:t> to commercialize their work.  Many variations of UNIX had bits and pieces taken from AT&amp;T UNIX – it got complex quickly</a:t>
+              <a:t>Late 1980’s UNIX was very popular – AT&amp;T saw an opportunity to commercialize their work.  Many variations of UNIX had bits and pieces taken from AT&amp;T UNIX – it got complex quickly</a:t>
             </a:r>
           </a:p>
           <a:p>
@@ -6963,18 +6962,9 @@
           </a:p>
           <a:p>
             <a:r>
-              <a:rPr lang="en-US"/>
-              <a:t>1992 </a:t>
-            </a:r>
-            <a:r>
-              <a:rPr lang="en-US" dirty="0"/>
-              <a:t>– Linux adopted the </a:t>
-            </a:r>
-            <a:r>
-              <a:rPr lang="en-US"/>
-              <a:t>GPL license</a:t>
-            </a:r>
-            <a:endParaRPr lang="en-US" dirty="0"/>
+              <a:rPr lang="en-US" dirty="0"/>
+              <a:t>1992 – Linux adopted the GPL license</a:t>
+            </a:r>
           </a:p>
         </p:txBody>
       </p:sp>
@@ -7172,13 +7162,8 @@
           <a:p>
             <a:r>
               <a:rPr lang="en-US" dirty="0"/>
-              <a:t>Modern C / Future </a:t>
-            </a:r>
-            <a:r>
-              <a:rPr lang="en-US"/>
-              <a:t>of C  / post C</a:t>
-            </a:r>
-            <a:endParaRPr lang="en-US" dirty="0"/>
+              <a:t>Modern C / Future of C  / post-C</a:t>
+            </a:r>
           </a:p>
         </p:txBody>
       </p:sp>
